--- a/hicks-psfast.pptx
+++ b/hicks-psfast.pptx
@@ -7294,6 +7294,21 @@
               <a:rPr lang="en-US" dirty="0"/>
               <a:t>Tips and tricks for getting more done with PowerShell faster!</a:t>
             </a:r>
+          </a:p>
+          <a:p>
+            <a:pPr marL="285750" indent="-285750">
+              <a:buFont typeface="Arial" panose="020B0604020202020204" pitchFamily="34" charset="0"/>
+              <a:buChar char="•"/>
+            </a:pPr>
+            <a:r>
+              <a:rPr lang="en-US" dirty="0"/>
+              <a:t>Intended for console work </a:t>
+            </a:r>
+            <a:r>
+              <a:rPr lang="en-US"/>
+              <a:t>not scripting</a:t>
+            </a:r>
+            <a:endParaRPr lang="en-US" dirty="0"/>
           </a:p>
           <a:p>
             <a:pPr marL="285750" indent="-285750">

--- a/hicks-psfast.pptx
+++ b/hicks-psfast.pptx
@@ -6,15 +6,16 @@
     <p:sldMasterId id="2147483661" r:id="rId2"/>
   </p:sldMasterIdLst>
   <p:notesMasterIdLst>
-    <p:notesMasterId r:id="rId6"/>
+    <p:notesMasterId r:id="rId7"/>
   </p:notesMasterIdLst>
   <p:handoutMasterIdLst>
-    <p:handoutMasterId r:id="rId7"/>
+    <p:handoutMasterId r:id="rId8"/>
   </p:handoutMasterIdLst>
   <p:sldIdLst>
     <p:sldId id="258" r:id="rId3"/>
     <p:sldId id="260" r:id="rId4"/>
-    <p:sldId id="259" r:id="rId5"/>
+    <p:sldId id="261" r:id="rId5"/>
+    <p:sldId id="259" r:id="rId6"/>
   </p:sldIdLst>
   <p:sldSz cx="9144000" cy="5143500" type="screen16x9"/>
   <p:notesSz cx="6858000" cy="9144000"/>
@@ -411,7 +412,7 @@
               <a:pPr>
                 <a:defRPr/>
               </a:pPr>
-              <a:t>10/21/2019</a:t>
+              <a:t>11/15/2019</a:t>
             </a:fld>
             <a:endParaRPr lang="en-US"/>
           </a:p>
@@ -1064,7 +1065,7 @@
               <a:pPr>
                 <a:defRPr/>
               </a:pPr>
-              <a:t>10/21/2019</a:t>
+              <a:t>11/15/2019</a:t>
             </a:fld>
             <a:endParaRPr lang="en-US"/>
           </a:p>
@@ -1221,7 +1222,7 @@
               <a:pPr>
                 <a:defRPr/>
               </a:pPr>
-              <a:t>10/21/2019</a:t>
+              <a:t>11/15/2019</a:t>
             </a:fld>
             <a:endParaRPr lang="en-US"/>
           </a:p>
@@ -1388,7 +1389,7 @@
               <a:pPr>
                 <a:defRPr/>
               </a:pPr>
-              <a:t>10/21/2019</a:t>
+              <a:t>11/15/2019</a:t>
             </a:fld>
             <a:endParaRPr lang="en-US"/>
           </a:p>
@@ -1618,7 +1619,7 @@
               <a:pPr>
                 <a:defRPr/>
               </a:pPr>
-              <a:t>10/21/2019</a:t>
+              <a:t>11/15/2019</a:t>
             </a:fld>
             <a:endParaRPr lang="en-US"/>
           </a:p>
@@ -1785,7 +1786,7 @@
               <a:pPr>
                 <a:defRPr/>
               </a:pPr>
-              <a:t>10/21/2019</a:t>
+              <a:t>11/15/2019</a:t>
             </a:fld>
             <a:endParaRPr lang="en-US" dirty="0"/>
           </a:p>
@@ -2019,7 +2020,7 @@
               <a:pPr>
                 <a:defRPr/>
               </a:pPr>
-              <a:t>10/21/2019</a:t>
+              <a:t>11/15/2019</a:t>
             </a:fld>
             <a:endParaRPr lang="en-US"/>
           </a:p>
@@ -2293,7 +2294,7 @@
               <a:pPr>
                 <a:defRPr/>
               </a:pPr>
-              <a:t>10/21/2019</a:t>
+              <a:t>11/15/2019</a:t>
             </a:fld>
             <a:endParaRPr lang="en-US"/>
           </a:p>
@@ -2706,7 +2707,7 @@
               <a:pPr>
                 <a:defRPr/>
               </a:pPr>
-              <a:t>10/21/2019</a:t>
+              <a:t>11/15/2019</a:t>
             </a:fld>
             <a:endParaRPr lang="en-US"/>
           </a:p>
@@ -2812,7 +2813,7 @@
               <a:pPr>
                 <a:defRPr/>
               </a:pPr>
-              <a:t>10/21/2019</a:t>
+              <a:t>11/15/2019</a:t>
             </a:fld>
             <a:endParaRPr lang="en-US"/>
           </a:p>
@@ -2896,7 +2897,7 @@
               <a:pPr>
                 <a:defRPr/>
               </a:pPr>
-              <a:t>10/21/2019</a:t>
+              <a:t>11/15/2019</a:t>
             </a:fld>
             <a:endParaRPr lang="en-US"/>
           </a:p>
@@ -3160,7 +3161,7 @@
               <a:pPr>
                 <a:defRPr/>
               </a:pPr>
-              <a:t>10/21/2019</a:t>
+              <a:t>11/15/2019</a:t>
             </a:fld>
             <a:endParaRPr lang="en-US"/>
           </a:p>
@@ -3325,7 +3326,7 @@
               <a:pPr>
                 <a:defRPr/>
               </a:pPr>
-              <a:t>10/21/2019</a:t>
+              <a:t>11/15/2019</a:t>
             </a:fld>
             <a:endParaRPr lang="en-US" dirty="0"/>
           </a:p>
@@ -3572,7 +3573,7 @@
               <a:pPr>
                 <a:defRPr/>
               </a:pPr>
-              <a:t>10/21/2019</a:t>
+              <a:t>11/15/2019</a:t>
             </a:fld>
             <a:endParaRPr lang="en-US"/>
           </a:p>
@@ -3729,7 +3730,7 @@
               <a:pPr>
                 <a:defRPr/>
               </a:pPr>
-              <a:t>10/21/2019</a:t>
+              <a:t>11/15/2019</a:t>
             </a:fld>
             <a:endParaRPr lang="en-US"/>
           </a:p>
@@ -3896,7 +3897,7 @@
               <a:pPr>
                 <a:defRPr/>
               </a:pPr>
-              <a:t>10/21/2019</a:t>
+              <a:t>11/15/2019</a:t>
             </a:fld>
             <a:endParaRPr lang="en-US"/>
           </a:p>
@@ -4130,7 +4131,7 @@
               <a:pPr>
                 <a:defRPr/>
               </a:pPr>
-              <a:t>10/21/2019</a:t>
+              <a:t>11/15/2019</a:t>
             </a:fld>
             <a:endParaRPr lang="en-US"/>
           </a:p>
@@ -4404,7 +4405,7 @@
               <a:pPr>
                 <a:defRPr/>
               </a:pPr>
-              <a:t>10/21/2019</a:t>
+              <a:t>11/15/2019</a:t>
             </a:fld>
             <a:endParaRPr lang="en-US"/>
           </a:p>
@@ -4817,7 +4818,7 @@
               <a:pPr>
                 <a:defRPr/>
               </a:pPr>
-              <a:t>10/21/2019</a:t>
+              <a:t>11/15/2019</a:t>
             </a:fld>
             <a:endParaRPr lang="en-US"/>
           </a:p>
@@ -4923,7 +4924,7 @@
               <a:pPr>
                 <a:defRPr/>
               </a:pPr>
-              <a:t>10/21/2019</a:t>
+              <a:t>11/15/2019</a:t>
             </a:fld>
             <a:endParaRPr lang="en-US"/>
           </a:p>
@@ -5007,7 +5008,7 @@
               <a:pPr>
                 <a:defRPr/>
               </a:pPr>
-              <a:t>10/21/2019</a:t>
+              <a:t>11/15/2019</a:t>
             </a:fld>
             <a:endParaRPr lang="en-US"/>
           </a:p>
@@ -5271,7 +5272,7 @@
               <a:pPr>
                 <a:defRPr/>
               </a:pPr>
-              <a:t>10/21/2019</a:t>
+              <a:t>11/15/2019</a:t>
             </a:fld>
             <a:endParaRPr lang="en-US"/>
           </a:p>
@@ -5515,7 +5516,7 @@
               <a:pPr>
                 <a:defRPr/>
               </a:pPr>
-              <a:t>10/21/2019</a:t>
+              <a:t>11/15/2019</a:t>
             </a:fld>
             <a:endParaRPr lang="en-US"/>
           </a:p>
@@ -5748,7 +5749,7 @@
               <a:pPr>
                 <a:defRPr/>
               </a:pPr>
-              <a:t>10/21/2019</a:t>
+              <a:t>11/15/2019</a:t>
             </a:fld>
             <a:endParaRPr lang="en-US"/>
           </a:p>
@@ -6427,7 +6428,7 @@
               <a:pPr>
                 <a:defRPr/>
               </a:pPr>
-              <a:t>10/21/2019</a:t>
+              <a:t>11/15/2019</a:t>
             </a:fld>
             <a:endParaRPr lang="en-US"/>
           </a:p>
@@ -7173,6 +7174,88 @@
           </a:p>
         </p:txBody>
       </p:sp>
+      <p:pic>
+        <p:nvPicPr>
+          <p:cNvPr id="3" name="Picture 2" descr="http://bit.ly/2CZdDcV">
+            <a:extLst>
+              <a:ext uri="{FF2B5EF4-FFF2-40B4-BE49-F238E27FC236}">
+                <a16:creationId xmlns:a16="http://schemas.microsoft.com/office/drawing/2014/main" id="{0392FE3A-7EB7-4CDD-8316-E3D5371AF1AA}"/>
+              </a:ext>
+            </a:extLst>
+          </p:cNvPr>
+          <p:cNvPicPr>
+            <a:picLocks noChangeAspect="1"/>
+          </p:cNvPicPr>
+          <p:nvPr/>
+        </p:nvPicPr>
+        <p:blipFill>
+          <a:blip r:embed="rId4">
+            <a:extLst>
+              <a:ext uri="{28A0092B-C50C-407E-A947-70E740481C1C}">
+                <a14:useLocalDpi xmlns:a14="http://schemas.microsoft.com/office/drawing/2010/main" val="0"/>
+              </a:ext>
+            </a:extLst>
+          </a:blip>
+          <a:stretch>
+            <a:fillRect/>
+          </a:stretch>
+        </p:blipFill>
+        <p:spPr>
+          <a:xfrm>
+            <a:off x="3815314" y="2715766"/>
+            <a:ext cx="1657387" cy="1657387"/>
+          </a:xfrm>
+          <a:prstGeom prst="rect">
+            <a:avLst/>
+          </a:prstGeom>
+        </p:spPr>
+      </p:pic>
+      <p:sp>
+        <p:nvSpPr>
+          <p:cNvPr id="4" name="TextBox 3">
+            <a:extLst>
+              <a:ext uri="{FF2B5EF4-FFF2-40B4-BE49-F238E27FC236}">
+                <a16:creationId xmlns:a16="http://schemas.microsoft.com/office/drawing/2014/main" id="{8834961C-E3D7-4C24-86D7-3BAD8C446243}"/>
+              </a:ext>
+            </a:extLst>
+          </p:cNvPr>
+          <p:cNvSpPr txBox="1"/>
+          <p:nvPr/>
+        </p:nvSpPr>
+        <p:spPr>
+          <a:xfrm>
+            <a:off x="3535149" y="4426299"/>
+            <a:ext cx="2344737" cy="646331"/>
+          </a:xfrm>
+          <a:prstGeom prst="rect">
+            <a:avLst/>
+          </a:prstGeom>
+          <a:noFill/>
+        </p:spPr>
+        <p:txBody>
+          <a:bodyPr wrap="square" rtlCol="0">
+            <a:spAutoFit/>
+          </a:bodyPr>
+          <a:lstStyle/>
+          <a:p>
+            <a:r>
+              <a:rPr lang="en-US" dirty="0">
+                <a:solidFill>
+                  <a:srgbClr val="FF0000"/>
+                </a:solidFill>
+              </a:rPr>
+              <a:t>http://bit.ly/2CZdDcV</a:t>
+            </a:r>
+          </a:p>
+          <a:p>
+            <a:endParaRPr lang="en-US" dirty="0">
+              <a:solidFill>
+                <a:srgbClr val="FF0000"/>
+              </a:solidFill>
+            </a:endParaRPr>
+          </a:p>
+        </p:txBody>
+      </p:sp>
     </p:spTree>
   </p:cSld>
   <p:clrMapOvr>
@@ -7368,6 +7451,141 @@
 </file>
 
 <file path=ppt/slides/slide3.xml><?xml version="1.0" encoding="utf-8"?>
+<p:sld xmlns:a="http://schemas.openxmlformats.org/drawingml/2006/main" xmlns:r="http://schemas.openxmlformats.org/officeDocument/2006/relationships" xmlns:p="http://schemas.openxmlformats.org/presentationml/2006/main">
+  <p:cSld>
+    <p:spTree>
+      <p:nvGrpSpPr>
+        <p:cNvPr id="1" name=""/>
+        <p:cNvGrpSpPr/>
+        <p:nvPr/>
+      </p:nvGrpSpPr>
+      <p:grpSpPr>
+        <a:xfrm>
+          <a:off x="0" y="0"/>
+          <a:ext cx="0" cy="0"/>
+          <a:chOff x="0" y="0"/>
+          <a:chExt cx="0" cy="0"/>
+        </a:xfrm>
+      </p:grpSpPr>
+      <p:sp>
+        <p:nvSpPr>
+          <p:cNvPr id="2" name="Title 1">
+            <a:extLst>
+              <a:ext uri="{FF2B5EF4-FFF2-40B4-BE49-F238E27FC236}">
+                <a16:creationId xmlns:a16="http://schemas.microsoft.com/office/drawing/2014/main" id="{C38558E4-A9FC-4C87-BFD7-D16500ADAEB1}"/>
+              </a:ext>
+            </a:extLst>
+          </p:cNvPr>
+          <p:cNvSpPr>
+            <a:spLocks noGrp="1"/>
+          </p:cNvSpPr>
+          <p:nvPr>
+            <p:ph type="title"/>
+          </p:nvPr>
+        </p:nvSpPr>
+        <p:spPr/>
+        <p:txBody>
+          <a:bodyPr/>
+          <a:lstStyle/>
+          <a:p>
+            <a:r>
+              <a:rPr lang="en-US" dirty="0"/>
+              <a:t>Course material</a:t>
+            </a:r>
+          </a:p>
+        </p:txBody>
+      </p:sp>
+      <p:pic>
+        <p:nvPicPr>
+          <p:cNvPr id="6" name="Content Placeholder 5" descr="A close up of a logo&#10;&#10;Description automatically generated">
+            <a:extLst>
+              <a:ext uri="{FF2B5EF4-FFF2-40B4-BE49-F238E27FC236}">
+                <a16:creationId xmlns:a16="http://schemas.microsoft.com/office/drawing/2014/main" id="{5674D4D6-DB22-4C63-A6DB-A08AF530E4B2}"/>
+              </a:ext>
+            </a:extLst>
+          </p:cNvPr>
+          <p:cNvPicPr>
+            <a:picLocks noGrp="1" noChangeAspect="1"/>
+          </p:cNvPicPr>
+          <p:nvPr>
+            <p:ph idx="1"/>
+          </p:nvPr>
+        </p:nvPicPr>
+        <p:blipFill>
+          <a:blip r:embed="rId2">
+            <a:extLst>
+              <a:ext uri="{28A0092B-C50C-407E-A947-70E740481C1C}">
+                <a14:useLocalDpi xmlns:a14="http://schemas.microsoft.com/office/drawing/2010/main" val="0"/>
+              </a:ext>
+            </a:extLst>
+          </a:blip>
+          <a:stretch>
+            <a:fillRect/>
+          </a:stretch>
+        </p:blipFill>
+        <p:spPr>
+          <a:xfrm>
+            <a:off x="5724128" y="843558"/>
+            <a:ext cx="2857500" cy="2857500"/>
+          </a:xfrm>
+        </p:spPr>
+      </p:pic>
+      <p:sp>
+        <p:nvSpPr>
+          <p:cNvPr id="4" name="Text Placeholder 3">
+            <a:extLst>
+              <a:ext uri="{FF2B5EF4-FFF2-40B4-BE49-F238E27FC236}">
+                <a16:creationId xmlns:a16="http://schemas.microsoft.com/office/drawing/2014/main" id="{718DF151-7798-42BB-AB77-5A1B44CA6A48}"/>
+              </a:ext>
+            </a:extLst>
+          </p:cNvPr>
+          <p:cNvSpPr>
+            <a:spLocks noGrp="1"/>
+          </p:cNvSpPr>
+          <p:nvPr>
+            <p:ph type="body" sz="half" idx="2"/>
+          </p:nvPr>
+        </p:nvSpPr>
+        <p:spPr>
+          <a:xfrm>
+            <a:off x="457205" y="1076328"/>
+            <a:ext cx="5050899" cy="3518297"/>
+          </a:xfrm>
+        </p:spPr>
+        <p:txBody>
+          <a:bodyPr/>
+          <a:lstStyle/>
+          <a:p>
+            <a:r>
+              <a:rPr lang="en-US" dirty="0"/>
+              <a:t>https://github.com/jdhitsolutions/powershell-fast-and-furious\</a:t>
+            </a:r>
+          </a:p>
+          <a:p>
+            <a:r>
+              <a:rPr lang="en-US" dirty="0"/>
+              <a:t>http://bit.ly/2CZdDcV</a:t>
+            </a:r>
+          </a:p>
+          <a:p>
+            <a:endParaRPr lang="en-US" dirty="0"/>
+          </a:p>
+        </p:txBody>
+      </p:sp>
+    </p:spTree>
+    <p:extLst>
+      <p:ext uri="{BB962C8B-B14F-4D97-AF65-F5344CB8AC3E}">
+        <p14:creationId xmlns:p14="http://schemas.microsoft.com/office/powerpoint/2010/main" val="2139048018"/>
+      </p:ext>
+    </p:extLst>
+  </p:cSld>
+  <p:clrMapOvr>
+    <a:masterClrMapping/>
+  </p:clrMapOvr>
+</p:sld>
+</file>
+
+<file path=ppt/slides/slide4.xml><?xml version="1.0" encoding="utf-8"?>
 <p:sld xmlns:a="http://schemas.openxmlformats.org/drawingml/2006/main" xmlns:r="http://schemas.openxmlformats.org/officeDocument/2006/relationships" xmlns:p="http://schemas.openxmlformats.org/presentationml/2006/main">
   <p:cSld>
     <p:spTree>

--- a/hicks-psfast.pptx
+++ b/hicks-psfast.pptx
@@ -412,7 +412,7 @@
               <a:pPr>
                 <a:defRPr/>
               </a:pPr>
-              <a:t>11/15/2019</a:t>
+              <a:t>11/19/2019</a:t>
             </a:fld>
             <a:endParaRPr lang="en-US"/>
           </a:p>
@@ -1065,7 +1065,7 @@
               <a:pPr>
                 <a:defRPr/>
               </a:pPr>
-              <a:t>11/15/2019</a:t>
+              <a:t>11/19/2019</a:t>
             </a:fld>
             <a:endParaRPr lang="en-US"/>
           </a:p>
@@ -1222,7 +1222,7 @@
               <a:pPr>
                 <a:defRPr/>
               </a:pPr>
-              <a:t>11/15/2019</a:t>
+              <a:t>11/19/2019</a:t>
             </a:fld>
             <a:endParaRPr lang="en-US"/>
           </a:p>
@@ -1389,7 +1389,7 @@
               <a:pPr>
                 <a:defRPr/>
               </a:pPr>
-              <a:t>11/15/2019</a:t>
+              <a:t>11/19/2019</a:t>
             </a:fld>
             <a:endParaRPr lang="en-US"/>
           </a:p>
@@ -1619,7 +1619,7 @@
               <a:pPr>
                 <a:defRPr/>
               </a:pPr>
-              <a:t>11/15/2019</a:t>
+              <a:t>11/19/2019</a:t>
             </a:fld>
             <a:endParaRPr lang="en-US"/>
           </a:p>
@@ -1786,7 +1786,7 @@
               <a:pPr>
                 <a:defRPr/>
               </a:pPr>
-              <a:t>11/15/2019</a:t>
+              <a:t>11/19/2019</a:t>
             </a:fld>
             <a:endParaRPr lang="en-US" dirty="0"/>
           </a:p>
@@ -2020,7 +2020,7 @@
               <a:pPr>
                 <a:defRPr/>
               </a:pPr>
-              <a:t>11/15/2019</a:t>
+              <a:t>11/19/2019</a:t>
             </a:fld>
             <a:endParaRPr lang="en-US"/>
           </a:p>
@@ -2294,7 +2294,7 @@
               <a:pPr>
                 <a:defRPr/>
               </a:pPr>
-              <a:t>11/15/2019</a:t>
+              <a:t>11/19/2019</a:t>
             </a:fld>
             <a:endParaRPr lang="en-US"/>
           </a:p>
@@ -2707,7 +2707,7 @@
               <a:pPr>
                 <a:defRPr/>
               </a:pPr>
-              <a:t>11/15/2019</a:t>
+              <a:t>11/19/2019</a:t>
             </a:fld>
             <a:endParaRPr lang="en-US"/>
           </a:p>
@@ -2813,7 +2813,7 @@
               <a:pPr>
                 <a:defRPr/>
               </a:pPr>
-              <a:t>11/15/2019</a:t>
+              <a:t>11/19/2019</a:t>
             </a:fld>
             <a:endParaRPr lang="en-US"/>
           </a:p>
@@ -2897,7 +2897,7 @@
               <a:pPr>
                 <a:defRPr/>
               </a:pPr>
-              <a:t>11/15/2019</a:t>
+              <a:t>11/19/2019</a:t>
             </a:fld>
             <a:endParaRPr lang="en-US"/>
           </a:p>
@@ -3161,7 +3161,7 @@
               <a:pPr>
                 <a:defRPr/>
               </a:pPr>
-              <a:t>11/15/2019</a:t>
+              <a:t>11/19/2019</a:t>
             </a:fld>
             <a:endParaRPr lang="en-US"/>
           </a:p>
@@ -3326,7 +3326,7 @@
               <a:pPr>
                 <a:defRPr/>
               </a:pPr>
-              <a:t>11/15/2019</a:t>
+              <a:t>11/19/2019</a:t>
             </a:fld>
             <a:endParaRPr lang="en-US" dirty="0"/>
           </a:p>
@@ -3573,7 +3573,7 @@
               <a:pPr>
                 <a:defRPr/>
               </a:pPr>
-              <a:t>11/15/2019</a:t>
+              <a:t>11/19/2019</a:t>
             </a:fld>
             <a:endParaRPr lang="en-US"/>
           </a:p>
@@ -3730,7 +3730,7 @@
               <a:pPr>
                 <a:defRPr/>
               </a:pPr>
-              <a:t>11/15/2019</a:t>
+              <a:t>11/19/2019</a:t>
             </a:fld>
             <a:endParaRPr lang="en-US"/>
           </a:p>
@@ -3897,7 +3897,7 @@
               <a:pPr>
                 <a:defRPr/>
               </a:pPr>
-              <a:t>11/15/2019</a:t>
+              <a:t>11/19/2019</a:t>
             </a:fld>
             <a:endParaRPr lang="en-US"/>
           </a:p>
@@ -4131,7 +4131,7 @@
               <a:pPr>
                 <a:defRPr/>
               </a:pPr>
-              <a:t>11/15/2019</a:t>
+              <a:t>11/19/2019</a:t>
             </a:fld>
             <a:endParaRPr lang="en-US"/>
           </a:p>
@@ -4405,7 +4405,7 @@
               <a:pPr>
                 <a:defRPr/>
               </a:pPr>
-              <a:t>11/15/2019</a:t>
+              <a:t>11/19/2019</a:t>
             </a:fld>
             <a:endParaRPr lang="en-US"/>
           </a:p>
@@ -4818,7 +4818,7 @@
               <a:pPr>
                 <a:defRPr/>
               </a:pPr>
-              <a:t>11/15/2019</a:t>
+              <a:t>11/19/2019</a:t>
             </a:fld>
             <a:endParaRPr lang="en-US"/>
           </a:p>
@@ -4924,7 +4924,7 @@
               <a:pPr>
                 <a:defRPr/>
               </a:pPr>
-              <a:t>11/15/2019</a:t>
+              <a:t>11/19/2019</a:t>
             </a:fld>
             <a:endParaRPr lang="en-US"/>
           </a:p>
@@ -5008,7 +5008,7 @@
               <a:pPr>
                 <a:defRPr/>
               </a:pPr>
-              <a:t>11/15/2019</a:t>
+              <a:t>11/19/2019</a:t>
             </a:fld>
             <a:endParaRPr lang="en-US"/>
           </a:p>
@@ -5272,7 +5272,7 @@
               <a:pPr>
                 <a:defRPr/>
               </a:pPr>
-              <a:t>11/15/2019</a:t>
+              <a:t>11/19/2019</a:t>
             </a:fld>
             <a:endParaRPr lang="en-US"/>
           </a:p>
@@ -5516,7 +5516,7 @@
               <a:pPr>
                 <a:defRPr/>
               </a:pPr>
-              <a:t>11/15/2019</a:t>
+              <a:t>11/19/2019</a:t>
             </a:fld>
             <a:endParaRPr lang="en-US"/>
           </a:p>
@@ -5749,7 +5749,7 @@
               <a:pPr>
                 <a:defRPr/>
               </a:pPr>
-              <a:t>11/15/2019</a:t>
+              <a:t>11/19/2019</a:t>
             </a:fld>
             <a:endParaRPr lang="en-US"/>
           </a:p>
@@ -6428,7 +6428,7 @@
               <a:pPr>
                 <a:defRPr/>
               </a:pPr>
-              <a:t>11/15/2019</a:t>
+              <a:t>11/19/2019</a:t>
             </a:fld>
             <a:endParaRPr lang="en-US"/>
           </a:p>
@@ -7225,7 +7225,7 @@
         <p:spPr>
           <a:xfrm>
             <a:off x="3535149" y="4426299"/>
-            <a:ext cx="2344737" cy="646331"/>
+            <a:ext cx="2405003" cy="646331"/>
           </a:xfrm>
           <a:prstGeom prst="rect">
             <a:avLst/>
@@ -7241,7 +7241,7 @@
             <a:r>
               <a:rPr lang="en-US" dirty="0">
                 <a:solidFill>
-                  <a:srgbClr val="FF0000"/>
+                  <a:srgbClr val="FFFF00"/>
                 </a:solidFill>
               </a:rPr>
               <a:t>http://bit.ly/2CZdDcV</a:t>
@@ -7250,7 +7250,7 @@
           <a:p>
             <a:endParaRPr lang="en-US" dirty="0">
               <a:solidFill>
-                <a:srgbClr val="FF0000"/>
+                <a:srgbClr val="FFFF00"/>
               </a:solidFill>
             </a:endParaRPr>
           </a:p>
@@ -7558,7 +7558,7 @@
           <a:p>
             <a:r>
               <a:rPr lang="en-US" dirty="0"/>
-              <a:t>https://github.com/jdhitsolutions/powershell-fast-and-furious\</a:t>
+              <a:t>https://github.com/jdhitsolutions/powershell-fast-and-furious</a:t>
             </a:r>
           </a:p>
           <a:p>
